--- a/objectDetection/pics/draw.pptx
+++ b/objectDetection/pics/draw.pptx
@@ -5,7 +5,7 @@
     <p:sldMasterId id="2147483648" r:id="rId1"/>
   </p:sldMasterIdLst>
   <p:sldIdLst>
-    <p:sldId id="256" r:id="rId3"/>
+    <p:sldId id="256" r:id="rId2"/>
   </p:sldIdLst>
   <p:sldSz cx="12192000" cy="6858000"/>
   <p:notesSz cx="6858000" cy="9144000"/>
@@ -104,6 +104,14 @@
       </a:defRPr>
     </a:lvl9pPr>
   </p:defaultTextStyle>
+  <p:extLst>
+    <p:ext uri="{EFAFB233-063F-42B5-8137-9DF3F51BA10A}">
+      <p15:sldGuideLst xmlns:p15="http://schemas.microsoft.com/office/powerpoint/2012/main"/>
+    </p:ext>
+    <p:ext uri="{2D200454-40CA-4A62-9FC3-DE9A4176ACB9}">
+      <p15:notesGuideLst xmlns:p15="http://schemas.microsoft.com/office/powerpoint/2012/main"/>
+    </p:ext>
+  </p:extLst>
 </p:presentation>
 </file>
 
@@ -149,10 +157,9 @@
           </a:lstStyle>
           <a:p>
             <a:r>
-              <a:rPr lang="en-US" smtClean="0"/>
+              <a:rPr lang="en-US"/>
               <a:t>Click to edit Master title style</a:t>
             </a:r>
-            <a:endParaRPr lang="en-US"/>
           </a:p>
         </p:txBody>
       </p:sp>
@@ -214,10 +221,9 @@
           </a:lstStyle>
           <a:p>
             <a:r>
-              <a:rPr lang="en-US" smtClean="0"/>
+              <a:rPr lang="en-US"/>
               <a:t>Click to edit Master subtitle style</a:t>
             </a:r>
-            <a:endParaRPr lang="en-US"/>
           </a:p>
         </p:txBody>
       </p:sp>
@@ -238,6 +244,7 @@
           <a:p>
             <a:fld id="{FDE934FF-F4E1-47C5-9CA5-30A81DDE2BE4}" type="datetimeFigureOut">
               <a:rPr lang="en-US" smtClean="0"/>
+              <a:t>6/10/2018</a:t>
             </a:fld>
             <a:endParaRPr lang="en-US"/>
           </a:p>
@@ -279,6 +286,7 @@
           <a:p>
             <a:fld id="{B3561BA9-CDCF-4958-B8AB-66F3BF063E13}" type="slidenum">
               <a:rPr lang="en-US" smtClean="0"/>
+              <a:t>‹#›</a:t>
             </a:fld>
             <a:endParaRPr lang="en-US"/>
           </a:p>
@@ -325,10 +333,9 @@
           <a:lstStyle/>
           <a:p>
             <a:r>
-              <a:rPr lang="en-US" smtClean="0"/>
+              <a:rPr lang="en-US"/>
               <a:t>Click to edit Master title style</a:t>
             </a:r>
-            <a:endParaRPr lang="en-US"/>
           </a:p>
         </p:txBody>
       </p:sp>
@@ -349,42 +356,37 @@
           <a:p>
             <a:pPr lvl="0"/>
             <a:r>
-              <a:rPr lang="en-US" smtClean="0"/>
+              <a:rPr lang="en-US"/>
               <a:t>Click to edit Master text styles</a:t>
             </a:r>
-            <a:endParaRPr lang="en-US" smtClean="0"/>
           </a:p>
           <a:p>
             <a:pPr lvl="1"/>
             <a:r>
-              <a:rPr lang="en-US" smtClean="0"/>
+              <a:rPr lang="en-US"/>
               <a:t>Second level</a:t>
             </a:r>
-            <a:endParaRPr lang="en-US" smtClean="0"/>
           </a:p>
           <a:p>
             <a:pPr lvl="2"/>
             <a:r>
-              <a:rPr lang="en-US" smtClean="0"/>
+              <a:rPr lang="en-US"/>
               <a:t>Third level</a:t>
             </a:r>
-            <a:endParaRPr lang="en-US" smtClean="0"/>
           </a:p>
           <a:p>
             <a:pPr lvl="3"/>
             <a:r>
-              <a:rPr lang="en-US" smtClean="0"/>
+              <a:rPr lang="en-US"/>
               <a:t>Fourth level</a:t>
             </a:r>
-            <a:endParaRPr lang="en-US" smtClean="0"/>
           </a:p>
           <a:p>
             <a:pPr lvl="4"/>
             <a:r>
-              <a:rPr lang="en-US" smtClean="0"/>
+              <a:rPr lang="en-US"/>
               <a:t>Fifth level</a:t>
             </a:r>
-            <a:endParaRPr lang="en-US"/>
           </a:p>
         </p:txBody>
       </p:sp>
@@ -405,6 +407,7 @@
           <a:p>
             <a:fld id="{FDE934FF-F4E1-47C5-9CA5-30A81DDE2BE4}" type="datetimeFigureOut">
               <a:rPr lang="en-US" smtClean="0"/>
+              <a:t>6/10/2018</a:t>
             </a:fld>
             <a:endParaRPr lang="en-US"/>
           </a:p>
@@ -446,6 +449,7 @@
           <a:p>
             <a:fld id="{B3561BA9-CDCF-4958-B8AB-66F3BF063E13}" type="slidenum">
               <a:rPr lang="en-US" smtClean="0"/>
+              <a:t>‹#›</a:t>
             </a:fld>
             <a:endParaRPr lang="en-US"/>
           </a:p>
@@ -497,10 +501,9 @@
           <a:lstStyle/>
           <a:p>
             <a:r>
-              <a:rPr lang="en-US" smtClean="0"/>
+              <a:rPr lang="en-US"/>
               <a:t>Click to edit Master title style</a:t>
             </a:r>
-            <a:endParaRPr lang="en-US"/>
           </a:p>
         </p:txBody>
       </p:sp>
@@ -526,42 +529,37 @@
           <a:p>
             <a:pPr lvl="0"/>
             <a:r>
-              <a:rPr lang="en-US" smtClean="0"/>
+              <a:rPr lang="en-US"/>
               <a:t>Click to edit Master text styles</a:t>
             </a:r>
-            <a:endParaRPr lang="en-US" smtClean="0"/>
           </a:p>
           <a:p>
             <a:pPr lvl="1"/>
             <a:r>
-              <a:rPr lang="en-US" smtClean="0"/>
+              <a:rPr lang="en-US"/>
               <a:t>Second level</a:t>
             </a:r>
-            <a:endParaRPr lang="en-US" smtClean="0"/>
           </a:p>
           <a:p>
             <a:pPr lvl="2"/>
             <a:r>
-              <a:rPr lang="en-US" smtClean="0"/>
+              <a:rPr lang="en-US"/>
               <a:t>Third level</a:t>
             </a:r>
-            <a:endParaRPr lang="en-US" smtClean="0"/>
           </a:p>
           <a:p>
             <a:pPr lvl="3"/>
             <a:r>
-              <a:rPr lang="en-US" smtClean="0"/>
+              <a:rPr lang="en-US"/>
               <a:t>Fourth level</a:t>
             </a:r>
-            <a:endParaRPr lang="en-US" smtClean="0"/>
           </a:p>
           <a:p>
             <a:pPr lvl="4"/>
             <a:r>
-              <a:rPr lang="en-US" smtClean="0"/>
+              <a:rPr lang="en-US"/>
               <a:t>Fifth level</a:t>
             </a:r>
-            <a:endParaRPr lang="en-US"/>
           </a:p>
         </p:txBody>
       </p:sp>
@@ -582,6 +580,7 @@
           <a:p>
             <a:fld id="{FDE934FF-F4E1-47C5-9CA5-30A81DDE2BE4}" type="datetimeFigureOut">
               <a:rPr lang="en-US" smtClean="0"/>
+              <a:t>6/10/2018</a:t>
             </a:fld>
             <a:endParaRPr lang="en-US"/>
           </a:p>
@@ -623,6 +622,7 @@
           <a:p>
             <a:fld id="{B3561BA9-CDCF-4958-B8AB-66F3BF063E13}" type="slidenum">
               <a:rPr lang="en-US" smtClean="0"/>
+              <a:t>‹#›</a:t>
             </a:fld>
             <a:endParaRPr lang="en-US"/>
           </a:p>
@@ -669,10 +669,9 @@
           <a:lstStyle/>
           <a:p>
             <a:r>
-              <a:rPr lang="en-US" smtClean="0"/>
+              <a:rPr lang="en-US"/>
               <a:t>Click to edit Master title style</a:t>
             </a:r>
-            <a:endParaRPr lang="en-US"/>
           </a:p>
         </p:txBody>
       </p:sp>
@@ -693,42 +692,37 @@
           <a:p>
             <a:pPr lvl="0"/>
             <a:r>
-              <a:rPr lang="en-US" smtClean="0"/>
+              <a:rPr lang="en-US"/>
               <a:t>Click to edit Master text styles</a:t>
             </a:r>
-            <a:endParaRPr lang="en-US" smtClean="0"/>
           </a:p>
           <a:p>
             <a:pPr lvl="1"/>
             <a:r>
-              <a:rPr lang="en-US" smtClean="0"/>
+              <a:rPr lang="en-US"/>
               <a:t>Second level</a:t>
             </a:r>
-            <a:endParaRPr lang="en-US" smtClean="0"/>
           </a:p>
           <a:p>
             <a:pPr lvl="2"/>
             <a:r>
-              <a:rPr lang="en-US" smtClean="0"/>
+              <a:rPr lang="en-US"/>
               <a:t>Third level</a:t>
             </a:r>
-            <a:endParaRPr lang="en-US" smtClean="0"/>
           </a:p>
           <a:p>
             <a:pPr lvl="3"/>
             <a:r>
-              <a:rPr lang="en-US" smtClean="0"/>
+              <a:rPr lang="en-US"/>
               <a:t>Fourth level</a:t>
             </a:r>
-            <a:endParaRPr lang="en-US" smtClean="0"/>
           </a:p>
           <a:p>
             <a:pPr lvl="4"/>
             <a:r>
-              <a:rPr lang="en-US" smtClean="0"/>
+              <a:rPr lang="en-US"/>
               <a:t>Fifth level</a:t>
             </a:r>
-            <a:endParaRPr lang="en-US"/>
           </a:p>
         </p:txBody>
       </p:sp>
@@ -749,6 +743,7 @@
           <a:p>
             <a:fld id="{FDE934FF-F4E1-47C5-9CA5-30A81DDE2BE4}" type="datetimeFigureOut">
               <a:rPr lang="en-US" smtClean="0"/>
+              <a:t>6/10/2018</a:t>
             </a:fld>
             <a:endParaRPr lang="en-US"/>
           </a:p>
@@ -790,6 +785,7 @@
           <a:p>
             <a:fld id="{B3561BA9-CDCF-4958-B8AB-66F3BF063E13}" type="slidenum">
               <a:rPr lang="en-US" smtClean="0"/>
+              <a:t>‹#›</a:t>
             </a:fld>
             <a:endParaRPr lang="en-US"/>
           </a:p>
@@ -845,10 +841,9 @@
           </a:lstStyle>
           <a:p>
             <a:r>
-              <a:rPr lang="en-US" smtClean="0"/>
+              <a:rPr lang="en-US"/>
               <a:t>Click to edit Master title style</a:t>
             </a:r>
-            <a:endParaRPr lang="en-US"/>
           </a:p>
         </p:txBody>
       </p:sp>
@@ -965,7 +960,7 @@
           <a:p>
             <a:pPr lvl="0"/>
             <a:r>
-              <a:rPr lang="en-US" smtClean="0"/>
+              <a:rPr lang="en-US"/>
               <a:t>Click to edit Master text styles</a:t>
             </a:r>
           </a:p>
@@ -988,6 +983,7 @@
           <a:p>
             <a:fld id="{FDE934FF-F4E1-47C5-9CA5-30A81DDE2BE4}" type="datetimeFigureOut">
               <a:rPr lang="en-US" smtClean="0"/>
+              <a:t>6/10/2018</a:t>
             </a:fld>
             <a:endParaRPr lang="en-US"/>
           </a:p>
@@ -1029,6 +1025,7 @@
           <a:p>
             <a:fld id="{B3561BA9-CDCF-4958-B8AB-66F3BF063E13}" type="slidenum">
               <a:rPr lang="en-US" smtClean="0"/>
+              <a:t>‹#›</a:t>
             </a:fld>
             <a:endParaRPr lang="en-US"/>
           </a:p>
@@ -1075,10 +1072,9 @@
           <a:lstStyle/>
           <a:p>
             <a:r>
-              <a:rPr lang="en-US" smtClean="0"/>
+              <a:rPr lang="en-US"/>
               <a:t>Click to edit Master title style</a:t>
             </a:r>
-            <a:endParaRPr lang="en-US"/>
           </a:p>
         </p:txBody>
       </p:sp>
@@ -1104,42 +1100,37 @@
           <a:p>
             <a:pPr lvl="0"/>
             <a:r>
-              <a:rPr lang="en-US" smtClean="0"/>
+              <a:rPr lang="en-US"/>
               <a:t>Click to edit Master text styles</a:t>
             </a:r>
-            <a:endParaRPr lang="en-US" smtClean="0"/>
           </a:p>
           <a:p>
             <a:pPr lvl="1"/>
             <a:r>
-              <a:rPr lang="en-US" smtClean="0"/>
+              <a:rPr lang="en-US"/>
               <a:t>Second level</a:t>
             </a:r>
-            <a:endParaRPr lang="en-US" smtClean="0"/>
           </a:p>
           <a:p>
             <a:pPr lvl="2"/>
             <a:r>
-              <a:rPr lang="en-US" smtClean="0"/>
+              <a:rPr lang="en-US"/>
               <a:t>Third level</a:t>
             </a:r>
-            <a:endParaRPr lang="en-US" smtClean="0"/>
           </a:p>
           <a:p>
             <a:pPr lvl="3"/>
             <a:r>
-              <a:rPr lang="en-US" smtClean="0"/>
+              <a:rPr lang="en-US"/>
               <a:t>Fourth level</a:t>
             </a:r>
-            <a:endParaRPr lang="en-US" smtClean="0"/>
           </a:p>
           <a:p>
             <a:pPr lvl="4"/>
             <a:r>
-              <a:rPr lang="en-US" smtClean="0"/>
+              <a:rPr lang="en-US"/>
               <a:t>Fifth level</a:t>
             </a:r>
-            <a:endParaRPr lang="en-US"/>
           </a:p>
         </p:txBody>
       </p:sp>
@@ -1165,42 +1156,37 @@
           <a:p>
             <a:pPr lvl="0"/>
             <a:r>
-              <a:rPr lang="en-US" smtClean="0"/>
+              <a:rPr lang="en-US"/>
               <a:t>Click to edit Master text styles</a:t>
             </a:r>
-            <a:endParaRPr lang="en-US" smtClean="0"/>
           </a:p>
           <a:p>
             <a:pPr lvl="1"/>
             <a:r>
-              <a:rPr lang="en-US" smtClean="0"/>
+              <a:rPr lang="en-US"/>
               <a:t>Second level</a:t>
             </a:r>
-            <a:endParaRPr lang="en-US" smtClean="0"/>
           </a:p>
           <a:p>
             <a:pPr lvl="2"/>
             <a:r>
-              <a:rPr lang="en-US" smtClean="0"/>
+              <a:rPr lang="en-US"/>
               <a:t>Third level</a:t>
             </a:r>
-            <a:endParaRPr lang="en-US" smtClean="0"/>
           </a:p>
           <a:p>
             <a:pPr lvl="3"/>
             <a:r>
-              <a:rPr lang="en-US" smtClean="0"/>
+              <a:rPr lang="en-US"/>
               <a:t>Fourth level</a:t>
             </a:r>
-            <a:endParaRPr lang="en-US" smtClean="0"/>
           </a:p>
           <a:p>
             <a:pPr lvl="4"/>
             <a:r>
-              <a:rPr lang="en-US" smtClean="0"/>
+              <a:rPr lang="en-US"/>
               <a:t>Fifth level</a:t>
             </a:r>
-            <a:endParaRPr lang="en-US"/>
           </a:p>
         </p:txBody>
       </p:sp>
@@ -1221,6 +1207,7 @@
           <a:p>
             <a:fld id="{FDE934FF-F4E1-47C5-9CA5-30A81DDE2BE4}" type="datetimeFigureOut">
               <a:rPr lang="en-US" smtClean="0"/>
+              <a:t>6/10/2018</a:t>
             </a:fld>
             <a:endParaRPr lang="en-US"/>
           </a:p>
@@ -1262,6 +1249,7 @@
           <a:p>
             <a:fld id="{B3561BA9-CDCF-4958-B8AB-66F3BF063E13}" type="slidenum">
               <a:rPr lang="en-US" smtClean="0"/>
+              <a:t>‹#›</a:t>
             </a:fld>
             <a:endParaRPr lang="en-US"/>
           </a:p>
@@ -1313,10 +1301,9 @@
           <a:lstStyle/>
           <a:p>
             <a:r>
-              <a:rPr lang="en-US" smtClean="0"/>
+              <a:rPr lang="en-US"/>
               <a:t>Click to edit Master title style</a:t>
             </a:r>
-            <a:endParaRPr lang="en-US"/>
           </a:p>
         </p:txBody>
       </p:sp>
@@ -1379,7 +1366,7 @@
           <a:p>
             <a:pPr lvl="0"/>
             <a:r>
-              <a:rPr lang="en-US" smtClean="0"/>
+              <a:rPr lang="en-US"/>
               <a:t>Click to edit Master text styles</a:t>
             </a:r>
           </a:p>
@@ -1407,42 +1394,37 @@
           <a:p>
             <a:pPr lvl="0"/>
             <a:r>
-              <a:rPr lang="en-US" smtClean="0"/>
+              <a:rPr lang="en-US"/>
               <a:t>Click to edit Master text styles</a:t>
             </a:r>
-            <a:endParaRPr lang="en-US" smtClean="0"/>
           </a:p>
           <a:p>
             <a:pPr lvl="1"/>
             <a:r>
-              <a:rPr lang="en-US" smtClean="0"/>
+              <a:rPr lang="en-US"/>
               <a:t>Second level</a:t>
             </a:r>
-            <a:endParaRPr lang="en-US" smtClean="0"/>
           </a:p>
           <a:p>
             <a:pPr lvl="2"/>
             <a:r>
-              <a:rPr lang="en-US" smtClean="0"/>
+              <a:rPr lang="en-US"/>
               <a:t>Third level</a:t>
             </a:r>
-            <a:endParaRPr lang="en-US" smtClean="0"/>
           </a:p>
           <a:p>
             <a:pPr lvl="3"/>
             <a:r>
-              <a:rPr lang="en-US" smtClean="0"/>
+              <a:rPr lang="en-US"/>
               <a:t>Fourth level</a:t>
             </a:r>
-            <a:endParaRPr lang="en-US" smtClean="0"/>
           </a:p>
           <a:p>
             <a:pPr lvl="4"/>
             <a:r>
-              <a:rPr lang="en-US" smtClean="0"/>
+              <a:rPr lang="en-US"/>
               <a:t>Fifth level</a:t>
             </a:r>
-            <a:endParaRPr lang="en-US"/>
           </a:p>
         </p:txBody>
       </p:sp>
@@ -1505,7 +1487,7 @@
           <a:p>
             <a:pPr lvl="0"/>
             <a:r>
-              <a:rPr lang="en-US" smtClean="0"/>
+              <a:rPr lang="en-US"/>
               <a:t>Click to edit Master text styles</a:t>
             </a:r>
           </a:p>
@@ -1533,42 +1515,37 @@
           <a:p>
             <a:pPr lvl="0"/>
             <a:r>
-              <a:rPr lang="en-US" smtClean="0"/>
+              <a:rPr lang="en-US"/>
               <a:t>Click to edit Master text styles</a:t>
             </a:r>
-            <a:endParaRPr lang="en-US" smtClean="0"/>
           </a:p>
           <a:p>
             <a:pPr lvl="1"/>
             <a:r>
-              <a:rPr lang="en-US" smtClean="0"/>
+              <a:rPr lang="en-US"/>
               <a:t>Second level</a:t>
             </a:r>
-            <a:endParaRPr lang="en-US" smtClean="0"/>
           </a:p>
           <a:p>
             <a:pPr lvl="2"/>
             <a:r>
-              <a:rPr lang="en-US" smtClean="0"/>
+              <a:rPr lang="en-US"/>
               <a:t>Third level</a:t>
             </a:r>
-            <a:endParaRPr lang="en-US" smtClean="0"/>
           </a:p>
           <a:p>
             <a:pPr lvl="3"/>
             <a:r>
-              <a:rPr lang="en-US" smtClean="0"/>
+              <a:rPr lang="en-US"/>
               <a:t>Fourth level</a:t>
             </a:r>
-            <a:endParaRPr lang="en-US" smtClean="0"/>
           </a:p>
           <a:p>
             <a:pPr lvl="4"/>
             <a:r>
-              <a:rPr lang="en-US" smtClean="0"/>
+              <a:rPr lang="en-US"/>
               <a:t>Fifth level</a:t>
             </a:r>
-            <a:endParaRPr lang="en-US"/>
           </a:p>
         </p:txBody>
       </p:sp>
@@ -1589,6 +1566,7 @@
           <a:p>
             <a:fld id="{FDE934FF-F4E1-47C5-9CA5-30A81DDE2BE4}" type="datetimeFigureOut">
               <a:rPr lang="en-US" smtClean="0"/>
+              <a:t>6/10/2018</a:t>
             </a:fld>
             <a:endParaRPr lang="en-US"/>
           </a:p>
@@ -1630,6 +1608,7 @@
           <a:p>
             <a:fld id="{B3561BA9-CDCF-4958-B8AB-66F3BF063E13}" type="slidenum">
               <a:rPr lang="en-US" smtClean="0"/>
+              <a:t>‹#›</a:t>
             </a:fld>
             <a:endParaRPr lang="en-US"/>
           </a:p>
@@ -1676,10 +1655,9 @@
           <a:lstStyle/>
           <a:p>
             <a:r>
-              <a:rPr lang="en-US" smtClean="0"/>
+              <a:rPr lang="en-US"/>
               <a:t>Click to edit Master title style</a:t>
             </a:r>
-            <a:endParaRPr lang="en-US"/>
           </a:p>
         </p:txBody>
       </p:sp>
@@ -1700,6 +1678,7 @@
           <a:p>
             <a:fld id="{FDE934FF-F4E1-47C5-9CA5-30A81DDE2BE4}" type="datetimeFigureOut">
               <a:rPr lang="en-US" smtClean="0"/>
+              <a:t>6/10/2018</a:t>
             </a:fld>
             <a:endParaRPr lang="en-US"/>
           </a:p>
@@ -1741,6 +1720,7 @@
           <a:p>
             <a:fld id="{B3561BA9-CDCF-4958-B8AB-66F3BF063E13}" type="slidenum">
               <a:rPr lang="en-US" smtClean="0"/>
+              <a:t>‹#›</a:t>
             </a:fld>
             <a:endParaRPr lang="en-US"/>
           </a:p>
@@ -1788,6 +1768,7 @@
           <a:p>
             <a:fld id="{FDE934FF-F4E1-47C5-9CA5-30A81DDE2BE4}" type="datetimeFigureOut">
               <a:rPr lang="en-US" smtClean="0"/>
+              <a:t>6/10/2018</a:t>
             </a:fld>
             <a:endParaRPr lang="en-US"/>
           </a:p>
@@ -1829,6 +1810,7 @@
           <a:p>
             <a:fld id="{B3561BA9-CDCF-4958-B8AB-66F3BF063E13}" type="slidenum">
               <a:rPr lang="en-US" smtClean="0"/>
+              <a:t>‹#›</a:t>
             </a:fld>
             <a:endParaRPr lang="en-US"/>
           </a:p>
@@ -1884,10 +1866,9 @@
           </a:lstStyle>
           <a:p>
             <a:r>
-              <a:rPr lang="en-US" smtClean="0"/>
+              <a:rPr lang="en-US"/>
               <a:t>Click to edit Master title style</a:t>
             </a:r>
-            <a:endParaRPr lang="en-US"/>
           </a:p>
         </p:txBody>
       </p:sp>
@@ -1941,42 +1922,37 @@
           <a:p>
             <a:pPr lvl="0"/>
             <a:r>
-              <a:rPr lang="en-US" smtClean="0"/>
+              <a:rPr lang="en-US"/>
               <a:t>Click to edit Master text styles</a:t>
             </a:r>
-            <a:endParaRPr lang="en-US" smtClean="0"/>
           </a:p>
           <a:p>
             <a:pPr lvl="1"/>
             <a:r>
-              <a:rPr lang="en-US" smtClean="0"/>
+              <a:rPr lang="en-US"/>
               <a:t>Second level</a:t>
             </a:r>
-            <a:endParaRPr lang="en-US" smtClean="0"/>
           </a:p>
           <a:p>
             <a:pPr lvl="2"/>
             <a:r>
-              <a:rPr lang="en-US" smtClean="0"/>
+              <a:rPr lang="en-US"/>
               <a:t>Third level</a:t>
             </a:r>
-            <a:endParaRPr lang="en-US" smtClean="0"/>
           </a:p>
           <a:p>
             <a:pPr lvl="3"/>
             <a:r>
-              <a:rPr lang="en-US" smtClean="0"/>
+              <a:rPr lang="en-US"/>
               <a:t>Fourth level</a:t>
             </a:r>
-            <a:endParaRPr lang="en-US" smtClean="0"/>
           </a:p>
           <a:p>
             <a:pPr lvl="4"/>
             <a:r>
-              <a:rPr lang="en-US" smtClean="0"/>
+              <a:rPr lang="en-US"/>
               <a:t>Fifth level</a:t>
             </a:r>
-            <a:endParaRPr lang="en-US"/>
           </a:p>
         </p:txBody>
       </p:sp>
@@ -2039,7 +2015,7 @@
           <a:p>
             <a:pPr lvl="0"/>
             <a:r>
-              <a:rPr lang="en-US" smtClean="0"/>
+              <a:rPr lang="en-US"/>
               <a:t>Click to edit Master text styles</a:t>
             </a:r>
           </a:p>
@@ -2062,6 +2038,7 @@
           <a:p>
             <a:fld id="{FDE934FF-F4E1-47C5-9CA5-30A81DDE2BE4}" type="datetimeFigureOut">
               <a:rPr lang="en-US" smtClean="0"/>
+              <a:t>6/10/2018</a:t>
             </a:fld>
             <a:endParaRPr lang="en-US"/>
           </a:p>
@@ -2103,6 +2080,7 @@
           <a:p>
             <a:fld id="{B3561BA9-CDCF-4958-B8AB-66F3BF063E13}" type="slidenum">
               <a:rPr lang="en-US" smtClean="0"/>
+              <a:t>‹#›</a:t>
             </a:fld>
             <a:endParaRPr lang="en-US"/>
           </a:p>
@@ -2158,10 +2136,9 @@
           </a:lstStyle>
           <a:p>
             <a:r>
-              <a:rPr lang="en-US" smtClean="0"/>
+              <a:rPr lang="en-US"/>
               <a:t>Click to edit Master title style</a:t>
             </a:r>
-            <a:endParaRPr lang="en-US"/>
           </a:p>
         </p:txBody>
       </p:sp>
@@ -2285,7 +2262,7 @@
           <a:p>
             <a:pPr lvl="0"/>
             <a:r>
-              <a:rPr lang="en-US" smtClean="0"/>
+              <a:rPr lang="en-US"/>
               <a:t>Click to edit Master text styles</a:t>
             </a:r>
           </a:p>
@@ -2308,6 +2285,7 @@
           <a:p>
             <a:fld id="{FDE934FF-F4E1-47C5-9CA5-30A81DDE2BE4}" type="datetimeFigureOut">
               <a:rPr lang="en-US" smtClean="0"/>
+              <a:t>6/10/2018</a:t>
             </a:fld>
             <a:endParaRPr lang="en-US"/>
           </a:p>
@@ -2349,6 +2327,7 @@
           <a:p>
             <a:fld id="{B3561BA9-CDCF-4958-B8AB-66F3BF063E13}" type="slidenum">
               <a:rPr lang="en-US" smtClean="0"/>
+              <a:t>‹#›</a:t>
             </a:fld>
             <a:endParaRPr lang="en-US"/>
           </a:p>
@@ -2359,13 +2338,6 @@
   <p:clrMapOvr>
     <a:masterClrMapping/>
   </p:clrMapOvr>
-  <p:timing>
-    <p:tnLst>
-      <p:par>
-        <p:cTn id="1" dur="indefinite" restart="never" nodeType="tmRoot"/>
-      </p:par>
-    </p:tnLst>
-  </p:timing>
 </p:sldLayout>
 </file>
 
@@ -2417,10 +2389,9 @@
           <a:lstStyle/>
           <a:p>
             <a:r>
-              <a:rPr lang="en-US" smtClean="0"/>
+              <a:rPr lang="en-US"/>
               <a:t>Click to edit Master title style</a:t>
             </a:r>
-            <a:endParaRPr lang="en-US"/>
           </a:p>
         </p:txBody>
       </p:sp>
@@ -2451,42 +2422,37 @@
           <a:p>
             <a:pPr lvl="0"/>
             <a:r>
-              <a:rPr lang="en-US" smtClean="0"/>
+              <a:rPr lang="en-US"/>
               <a:t>Click to edit Master text styles</a:t>
             </a:r>
-            <a:endParaRPr lang="en-US" smtClean="0"/>
           </a:p>
           <a:p>
             <a:pPr lvl="1"/>
             <a:r>
-              <a:rPr lang="en-US" smtClean="0"/>
+              <a:rPr lang="en-US"/>
               <a:t>Second level</a:t>
             </a:r>
-            <a:endParaRPr lang="en-US" smtClean="0"/>
           </a:p>
           <a:p>
             <a:pPr lvl="2"/>
             <a:r>
-              <a:rPr lang="en-US" smtClean="0"/>
+              <a:rPr lang="en-US"/>
               <a:t>Third level</a:t>
             </a:r>
-            <a:endParaRPr lang="en-US" smtClean="0"/>
           </a:p>
           <a:p>
             <a:pPr lvl="3"/>
             <a:r>
-              <a:rPr lang="en-US" smtClean="0"/>
+              <a:rPr lang="en-US"/>
               <a:t>Fourth level</a:t>
             </a:r>
-            <a:endParaRPr lang="en-US" smtClean="0"/>
           </a:p>
           <a:p>
             <a:pPr lvl="4"/>
             <a:r>
-              <a:rPr lang="en-US" smtClean="0"/>
+              <a:rPr lang="en-US"/>
               <a:t>Fifth level</a:t>
             </a:r>
-            <a:endParaRPr lang="en-US"/>
           </a:p>
         </p:txBody>
       </p:sp>
@@ -2525,6 +2491,7 @@
           <a:p>
             <a:fld id="{FDE934FF-F4E1-47C5-9CA5-30A81DDE2BE4}" type="datetimeFigureOut">
               <a:rPr lang="en-US" smtClean="0"/>
+              <a:t>6/10/2018</a:t>
             </a:fld>
             <a:endParaRPr lang="en-US"/>
           </a:p>
@@ -2602,6 +2569,7 @@
           <a:p>
             <a:fld id="{B3561BA9-CDCF-4958-B8AB-66F3BF063E13}" type="slidenum">
               <a:rPr lang="en-US" smtClean="0"/>
+              <a:t>‹#›</a:t>
             </a:fld>
             <a:endParaRPr lang="en-US"/>
           </a:p>
@@ -2915,7 +2883,14 @@
         <p:cNvGrpSpPr/>
         <p:nvPr/>
       </p:nvGrpSpPr>
-      <p:grpSpPr/>
+      <p:grpSpPr>
+        <a:xfrm>
+          <a:off x="0" y="0"/>
+          <a:ext cx="0" cy="0"/>
+          <a:chOff x="0" y="0"/>
+          <a:chExt cx="0" cy="0"/>
+        </a:xfrm>
+      </p:grpSpPr>
       <p:grpSp>
         <p:nvGrpSpPr>
           <p:cNvPr id="38" name="Group 37"/>
@@ -2961,6 +2936,7 @@
           </p:style>
           <p:txBody>
             <a:bodyPr rtlCol="0" anchor="ctr"/>
+            <a:lstStyle/>
             <a:p>
               <a:pPr algn="ctr"/>
               <a:endParaRPr lang="en-US"/>
@@ -2998,6 +2974,7 @@
           </p:style>
           <p:txBody>
             <a:bodyPr rtlCol="0" anchor="ctr"/>
+            <a:lstStyle/>
             <a:p>
               <a:pPr algn="ctr"/>
               <a:endParaRPr lang="en-US"/>
@@ -3035,6 +3012,7 @@
           </p:style>
           <p:txBody>
             <a:bodyPr rtlCol="0" anchor="ctr"/>
+            <a:lstStyle/>
             <a:p>
               <a:pPr algn="ctr"/>
               <a:endParaRPr lang="en-US"/>
@@ -3072,6 +3050,7 @@
           </p:style>
           <p:txBody>
             <a:bodyPr rtlCol="0" anchor="ctr"/>
+            <a:lstStyle/>
             <a:p>
               <a:pPr algn="ctr"/>
               <a:endParaRPr lang="en-US"/>
@@ -3109,6 +3088,7 @@
           </p:style>
           <p:txBody>
             <a:bodyPr rtlCol="0" anchor="ctr"/>
+            <a:lstStyle/>
             <a:p>
               <a:pPr algn="ctr"/>
               <a:endParaRPr lang="en-US"/>
@@ -3146,6 +3126,7 @@
           </p:style>
           <p:txBody>
             <a:bodyPr rtlCol="0" anchor="ctr"/>
+            <a:lstStyle/>
             <a:p>
               <a:pPr algn="ctr"/>
               <a:endParaRPr lang="en-US"/>
@@ -3183,6 +3164,7 @@
           </p:style>
           <p:txBody>
             <a:bodyPr rtlCol="0" anchor="ctr"/>
+            <a:lstStyle/>
             <a:p>
               <a:pPr algn="ctr"/>
               <a:endParaRPr lang="en-US"/>
@@ -3220,6 +3202,7 @@
           </p:style>
           <p:txBody>
             <a:bodyPr rtlCol="0" anchor="ctr"/>
+            <a:lstStyle/>
             <a:p>
               <a:pPr algn="ctr"/>
               <a:endParaRPr lang="en-US"/>
@@ -3257,6 +3240,7 @@
           </p:style>
           <p:txBody>
             <a:bodyPr rtlCol="0" anchor="ctr"/>
+            <a:lstStyle/>
             <a:p>
               <a:pPr algn="ctr"/>
               <a:endParaRPr lang="en-US"/>
@@ -3294,6 +3278,7 @@
           </p:style>
           <p:txBody>
             <a:bodyPr rtlCol="0" anchor="ctr"/>
+            <a:lstStyle/>
             <a:p>
               <a:pPr algn="ctr"/>
               <a:endParaRPr lang="en-US"/>
@@ -3346,6 +3331,7 @@
           </p:style>
           <p:txBody>
             <a:bodyPr rtlCol="0" anchor="ctr"/>
+            <a:lstStyle/>
             <a:p>
               <a:pPr algn="ctr"/>
               <a:endParaRPr lang="en-US"/>
@@ -3383,6 +3369,7 @@
           </p:style>
           <p:txBody>
             <a:bodyPr rtlCol="0" anchor="ctr"/>
+            <a:lstStyle/>
             <a:p>
               <a:pPr algn="ctr"/>
               <a:endParaRPr lang="en-US"/>
@@ -3420,6 +3407,7 @@
           </p:style>
           <p:txBody>
             <a:bodyPr rtlCol="0" anchor="ctr"/>
+            <a:lstStyle/>
             <a:p>
               <a:pPr algn="ctr"/>
               <a:endParaRPr lang="en-US"/>
@@ -3457,6 +3445,7 @@
           </p:style>
           <p:txBody>
             <a:bodyPr rtlCol="0" anchor="ctr"/>
+            <a:lstStyle/>
             <a:p>
               <a:pPr algn="ctr"/>
               <a:endParaRPr lang="en-US"/>
@@ -3494,6 +3483,7 @@
           </p:style>
           <p:txBody>
             <a:bodyPr rtlCol="0" anchor="ctr"/>
+            <a:lstStyle/>
             <a:p>
               <a:pPr algn="ctr"/>
               <a:endParaRPr lang="en-US"/>
@@ -3531,6 +3521,7 @@
           </p:style>
           <p:txBody>
             <a:bodyPr rtlCol="0" anchor="ctr"/>
+            <a:lstStyle/>
             <a:p>
               <a:pPr algn="ctr"/>
               <a:endParaRPr lang="en-US"/>
@@ -3568,6 +3559,7 @@
           </p:style>
           <p:txBody>
             <a:bodyPr rtlCol="0" anchor="ctr"/>
+            <a:lstStyle/>
             <a:p>
               <a:pPr algn="ctr"/>
               <a:endParaRPr lang="en-US"/>
@@ -3605,6 +3597,7 @@
           </p:style>
           <p:txBody>
             <a:bodyPr rtlCol="0" anchor="ctr"/>
+            <a:lstStyle/>
             <a:p>
               <a:pPr algn="ctr"/>
               <a:endParaRPr lang="en-US"/>
@@ -3642,6 +3635,7 @@
           </p:style>
           <p:txBody>
             <a:bodyPr rtlCol="0" anchor="ctr"/>
+            <a:lstStyle/>
             <a:p>
               <a:pPr algn="ctr"/>
               <a:endParaRPr lang="en-US"/>
@@ -3679,6 +3673,7 @@
           </p:style>
           <p:txBody>
             <a:bodyPr rtlCol="0" anchor="ctr"/>
+            <a:lstStyle/>
             <a:p>
               <a:pPr algn="ctr"/>
               <a:endParaRPr lang="en-US"/>
@@ -3731,6 +3726,7 @@
           </p:style>
           <p:txBody>
             <a:bodyPr rtlCol="0" anchor="ctr"/>
+            <a:lstStyle/>
             <a:p>
               <a:pPr algn="ctr"/>
               <a:endParaRPr lang="en-US"/>
@@ -3768,6 +3764,7 @@
           </p:style>
           <p:txBody>
             <a:bodyPr rtlCol="0" anchor="ctr"/>
+            <a:lstStyle/>
             <a:p>
               <a:pPr algn="ctr"/>
               <a:endParaRPr lang="en-US"/>
@@ -3805,6 +3802,7 @@
           </p:style>
           <p:txBody>
             <a:bodyPr rtlCol="0" anchor="ctr"/>
+            <a:lstStyle/>
             <a:p>
               <a:pPr algn="ctr"/>
               <a:endParaRPr lang="en-US"/>
@@ -3842,6 +3840,7 @@
           </p:style>
           <p:txBody>
             <a:bodyPr rtlCol="0" anchor="ctr"/>
+            <a:lstStyle/>
             <a:p>
               <a:pPr algn="ctr"/>
               <a:endParaRPr lang="en-US"/>
@@ -3879,6 +3878,7 @@
           </p:style>
           <p:txBody>
             <a:bodyPr rtlCol="0" anchor="ctr"/>
+            <a:lstStyle/>
             <a:p>
               <a:pPr algn="ctr"/>
               <a:endParaRPr lang="en-US"/>
@@ -3916,6 +3916,7 @@
           </p:style>
           <p:txBody>
             <a:bodyPr rtlCol="0" anchor="ctr"/>
+            <a:lstStyle/>
             <a:p>
               <a:pPr algn="ctr"/>
               <a:endParaRPr lang="en-US"/>
@@ -3953,6 +3954,7 @@
           </p:style>
           <p:txBody>
             <a:bodyPr rtlCol="0" anchor="ctr"/>
+            <a:lstStyle/>
             <a:p>
               <a:pPr algn="ctr"/>
               <a:endParaRPr lang="en-US"/>
@@ -3990,6 +3992,7 @@
           </p:style>
           <p:txBody>
             <a:bodyPr rtlCol="0" anchor="ctr"/>
+            <a:lstStyle/>
             <a:p>
               <a:pPr algn="ctr"/>
               <a:endParaRPr lang="en-US"/>
@@ -4027,6 +4030,7 @@
           </p:style>
           <p:txBody>
             <a:bodyPr rtlCol="0" anchor="ctr"/>
+            <a:lstStyle/>
             <a:p>
               <a:pPr algn="ctr"/>
               <a:endParaRPr lang="en-US"/>
@@ -4064,6 +4068,7 @@
           </p:style>
           <p:txBody>
             <a:bodyPr rtlCol="0" anchor="ctr"/>
+            <a:lstStyle/>
             <a:p>
               <a:pPr algn="ctr"/>
               <a:endParaRPr lang="en-US"/>
@@ -4116,6 +4121,7 @@
           </p:style>
           <p:txBody>
             <a:bodyPr rtlCol="0" anchor="ctr"/>
+            <a:lstStyle/>
             <a:p>
               <a:pPr algn="ctr"/>
               <a:endParaRPr lang="en-US"/>
@@ -4153,6 +4159,7 @@
           </p:style>
           <p:txBody>
             <a:bodyPr rtlCol="0" anchor="ctr"/>
+            <a:lstStyle/>
             <a:p>
               <a:pPr algn="ctr"/>
               <a:endParaRPr lang="en-US"/>
@@ -4190,6 +4197,7 @@
           </p:style>
           <p:txBody>
             <a:bodyPr rtlCol="0" anchor="ctr"/>
+            <a:lstStyle/>
             <a:p>
               <a:pPr algn="ctr"/>
               <a:endParaRPr lang="en-US"/>
@@ -4227,6 +4235,7 @@
           </p:style>
           <p:txBody>
             <a:bodyPr rtlCol="0" anchor="ctr"/>
+            <a:lstStyle/>
             <a:p>
               <a:pPr algn="ctr"/>
               <a:endParaRPr lang="en-US"/>
@@ -4264,6 +4273,7 @@
           </p:style>
           <p:txBody>
             <a:bodyPr rtlCol="0" anchor="ctr"/>
+            <a:lstStyle/>
             <a:p>
               <a:pPr algn="ctr"/>
               <a:endParaRPr lang="en-US"/>
@@ -4301,6 +4311,7 @@
           </p:style>
           <p:txBody>
             <a:bodyPr rtlCol="0" anchor="ctr"/>
+            <a:lstStyle/>
             <a:p>
               <a:pPr algn="ctr"/>
               <a:endParaRPr lang="en-US"/>
@@ -4338,6 +4349,7 @@
           </p:style>
           <p:txBody>
             <a:bodyPr rtlCol="0" anchor="ctr"/>
+            <a:lstStyle/>
             <a:p>
               <a:pPr algn="ctr"/>
               <a:endParaRPr lang="en-US"/>
@@ -4375,6 +4387,7 @@
           </p:style>
           <p:txBody>
             <a:bodyPr rtlCol="0" anchor="ctr"/>
+            <a:lstStyle/>
             <a:p>
               <a:pPr algn="ctr"/>
               <a:endParaRPr lang="en-US"/>
@@ -4412,6 +4425,7 @@
           </p:style>
           <p:txBody>
             <a:bodyPr rtlCol="0" anchor="ctr"/>
+            <a:lstStyle/>
             <a:p>
               <a:pPr algn="ctr"/>
               <a:endParaRPr lang="en-US"/>
@@ -4449,6 +4463,7 @@
           </p:style>
           <p:txBody>
             <a:bodyPr rtlCol="0" anchor="ctr"/>
+            <a:lstStyle/>
             <a:p>
               <a:pPr algn="ctr"/>
               <a:endParaRPr lang="en-US"/>
@@ -4501,6 +4516,7 @@
           </p:style>
           <p:txBody>
             <a:bodyPr rtlCol="0" anchor="ctr"/>
+            <a:lstStyle/>
             <a:p>
               <a:pPr algn="ctr"/>
               <a:endParaRPr lang="en-US"/>
@@ -4538,6 +4554,7 @@
           </p:style>
           <p:txBody>
             <a:bodyPr rtlCol="0" anchor="ctr"/>
+            <a:lstStyle/>
             <a:p>
               <a:pPr algn="ctr"/>
               <a:endParaRPr lang="en-US"/>
@@ -4575,6 +4592,7 @@
           </p:style>
           <p:txBody>
             <a:bodyPr rtlCol="0" anchor="ctr"/>
+            <a:lstStyle/>
             <a:p>
               <a:pPr algn="ctr"/>
               <a:endParaRPr lang="en-US"/>
@@ -4612,6 +4630,7 @@
           </p:style>
           <p:txBody>
             <a:bodyPr rtlCol="0" anchor="ctr"/>
+            <a:lstStyle/>
             <a:p>
               <a:pPr algn="ctr"/>
               <a:endParaRPr lang="en-US"/>
@@ -4649,6 +4668,7 @@
           </p:style>
           <p:txBody>
             <a:bodyPr rtlCol="0" anchor="ctr"/>
+            <a:lstStyle/>
             <a:p>
               <a:pPr algn="ctr"/>
               <a:endParaRPr lang="en-US"/>
@@ -4686,6 +4706,7 @@
           </p:style>
           <p:txBody>
             <a:bodyPr rtlCol="0" anchor="ctr"/>
+            <a:lstStyle/>
             <a:p>
               <a:pPr algn="ctr"/>
               <a:endParaRPr lang="en-US"/>
@@ -4723,6 +4744,7 @@
           </p:style>
           <p:txBody>
             <a:bodyPr rtlCol="0" anchor="ctr"/>
+            <a:lstStyle/>
             <a:p>
               <a:pPr algn="ctr"/>
               <a:endParaRPr lang="en-US"/>
@@ -4760,6 +4782,7 @@
           </p:style>
           <p:txBody>
             <a:bodyPr rtlCol="0" anchor="ctr"/>
+            <a:lstStyle/>
             <a:p>
               <a:pPr algn="ctr"/>
               <a:endParaRPr lang="en-US"/>
@@ -4797,6 +4820,7 @@
           </p:style>
           <p:txBody>
             <a:bodyPr rtlCol="0" anchor="ctr"/>
+            <a:lstStyle/>
             <a:p>
               <a:pPr algn="ctr"/>
               <a:endParaRPr lang="en-US"/>
@@ -4834,6 +4858,7 @@
           </p:style>
           <p:txBody>
             <a:bodyPr rtlCol="0" anchor="ctr"/>
+            <a:lstStyle/>
             <a:p>
               <a:pPr algn="ctr"/>
               <a:endParaRPr lang="en-US"/>
@@ -4886,6 +4911,7 @@
           </p:style>
           <p:txBody>
             <a:bodyPr rtlCol="0" anchor="ctr"/>
+            <a:lstStyle/>
             <a:p>
               <a:pPr algn="ctr"/>
               <a:endParaRPr lang="en-US"/>
@@ -4923,6 +4949,7 @@
           </p:style>
           <p:txBody>
             <a:bodyPr rtlCol="0" anchor="ctr"/>
+            <a:lstStyle/>
             <a:p>
               <a:pPr algn="ctr"/>
               <a:endParaRPr lang="en-US"/>
@@ -4960,6 +4987,7 @@
           </p:style>
           <p:txBody>
             <a:bodyPr rtlCol="0" anchor="ctr"/>
+            <a:lstStyle/>
             <a:p>
               <a:pPr algn="ctr"/>
               <a:endParaRPr lang="en-US"/>
@@ -4997,6 +5025,7 @@
           </p:style>
           <p:txBody>
             <a:bodyPr rtlCol="0" anchor="ctr"/>
+            <a:lstStyle/>
             <a:p>
               <a:pPr algn="ctr"/>
               <a:endParaRPr lang="en-US"/>
@@ -5034,6 +5063,7 @@
           </p:style>
           <p:txBody>
             <a:bodyPr rtlCol="0" anchor="ctr"/>
+            <a:lstStyle/>
             <a:p>
               <a:pPr algn="ctr"/>
               <a:endParaRPr lang="en-US"/>
@@ -5071,6 +5101,7 @@
           </p:style>
           <p:txBody>
             <a:bodyPr rtlCol="0" anchor="ctr"/>
+            <a:lstStyle/>
             <a:p>
               <a:pPr algn="ctr"/>
               <a:endParaRPr lang="en-US"/>
@@ -5108,6 +5139,7 @@
           </p:style>
           <p:txBody>
             <a:bodyPr rtlCol="0" anchor="ctr"/>
+            <a:lstStyle/>
             <a:p>
               <a:pPr algn="ctr"/>
               <a:endParaRPr lang="en-US"/>
@@ -5145,6 +5177,7 @@
           </p:style>
           <p:txBody>
             <a:bodyPr rtlCol="0" anchor="ctr"/>
+            <a:lstStyle/>
             <a:p>
               <a:pPr algn="ctr"/>
               <a:endParaRPr lang="en-US"/>
@@ -5182,6 +5215,7 @@
           </p:style>
           <p:txBody>
             <a:bodyPr rtlCol="0" anchor="ctr"/>
+            <a:lstStyle/>
             <a:p>
               <a:pPr algn="ctr"/>
               <a:endParaRPr lang="en-US"/>
@@ -5219,6 +5253,7 @@
           </p:style>
           <p:txBody>
             <a:bodyPr rtlCol="0" anchor="ctr"/>
+            <a:lstStyle/>
             <a:p>
               <a:pPr algn="ctr"/>
               <a:endParaRPr lang="en-US"/>
@@ -5271,6 +5306,7 @@
           </p:style>
           <p:txBody>
             <a:bodyPr rtlCol="0" anchor="ctr"/>
+            <a:lstStyle/>
             <a:p>
               <a:pPr algn="ctr"/>
               <a:endParaRPr lang="en-US"/>
@@ -5308,6 +5344,7 @@
           </p:style>
           <p:txBody>
             <a:bodyPr rtlCol="0" anchor="ctr"/>
+            <a:lstStyle/>
             <a:p>
               <a:pPr algn="ctr"/>
               <a:endParaRPr lang="en-US"/>
@@ -5345,6 +5382,7 @@
           </p:style>
           <p:txBody>
             <a:bodyPr rtlCol="0" anchor="ctr"/>
+            <a:lstStyle/>
             <a:p>
               <a:pPr algn="ctr"/>
               <a:endParaRPr lang="en-US"/>
@@ -5382,6 +5420,7 @@
           </p:style>
           <p:txBody>
             <a:bodyPr rtlCol="0" anchor="ctr"/>
+            <a:lstStyle/>
             <a:p>
               <a:pPr algn="ctr"/>
               <a:endParaRPr lang="en-US"/>
@@ -5419,6 +5458,7 @@
           </p:style>
           <p:txBody>
             <a:bodyPr rtlCol="0" anchor="ctr"/>
+            <a:lstStyle/>
             <a:p>
               <a:pPr algn="ctr"/>
               <a:endParaRPr lang="en-US"/>
@@ -5456,6 +5496,7 @@
           </p:style>
           <p:txBody>
             <a:bodyPr rtlCol="0" anchor="ctr"/>
+            <a:lstStyle/>
             <a:p>
               <a:pPr algn="ctr"/>
               <a:endParaRPr lang="en-US"/>
@@ -5493,6 +5534,7 @@
           </p:style>
           <p:txBody>
             <a:bodyPr rtlCol="0" anchor="ctr"/>
+            <a:lstStyle/>
             <a:p>
               <a:pPr algn="ctr"/>
               <a:endParaRPr lang="en-US"/>
@@ -5530,6 +5572,7 @@
           </p:style>
           <p:txBody>
             <a:bodyPr rtlCol="0" anchor="ctr"/>
+            <a:lstStyle/>
             <a:p>
               <a:pPr algn="ctr"/>
               <a:endParaRPr lang="en-US"/>
@@ -5567,6 +5610,7 @@
           </p:style>
           <p:txBody>
             <a:bodyPr rtlCol="0" anchor="ctr"/>
+            <a:lstStyle/>
             <a:p>
               <a:pPr algn="ctr"/>
               <a:endParaRPr lang="en-US"/>
@@ -5604,6 +5648,7 @@
           </p:style>
           <p:txBody>
             <a:bodyPr rtlCol="0" anchor="ctr"/>
+            <a:lstStyle/>
             <a:p>
               <a:pPr algn="ctr"/>
               <a:endParaRPr lang="en-US"/>
@@ -5656,6 +5701,7 @@
           </p:style>
           <p:txBody>
             <a:bodyPr rtlCol="0" anchor="ctr"/>
+            <a:lstStyle/>
             <a:p>
               <a:pPr algn="ctr"/>
               <a:endParaRPr lang="en-US"/>
@@ -5693,6 +5739,7 @@
           </p:style>
           <p:txBody>
             <a:bodyPr rtlCol="0" anchor="ctr"/>
+            <a:lstStyle/>
             <a:p>
               <a:pPr algn="ctr"/>
               <a:endParaRPr lang="en-US"/>
@@ -5730,6 +5777,7 @@
           </p:style>
           <p:txBody>
             <a:bodyPr rtlCol="0" anchor="ctr"/>
+            <a:lstStyle/>
             <a:p>
               <a:pPr algn="ctr"/>
               <a:endParaRPr lang="en-US"/>
@@ -5767,6 +5815,7 @@
           </p:style>
           <p:txBody>
             <a:bodyPr rtlCol="0" anchor="ctr"/>
+            <a:lstStyle/>
             <a:p>
               <a:pPr algn="ctr"/>
               <a:endParaRPr lang="en-US"/>
@@ -5804,6 +5853,7 @@
           </p:style>
           <p:txBody>
             <a:bodyPr rtlCol="0" anchor="ctr"/>
+            <a:lstStyle/>
             <a:p>
               <a:pPr algn="ctr"/>
               <a:endParaRPr lang="en-US"/>
@@ -5841,6 +5891,7 @@
           </p:style>
           <p:txBody>
             <a:bodyPr rtlCol="0" anchor="ctr"/>
+            <a:lstStyle/>
             <a:p>
               <a:pPr algn="ctr"/>
               <a:endParaRPr lang="en-US"/>
@@ -5878,6 +5929,7 @@
           </p:style>
           <p:txBody>
             <a:bodyPr rtlCol="0" anchor="ctr"/>
+            <a:lstStyle/>
             <a:p>
               <a:pPr algn="ctr"/>
               <a:endParaRPr lang="en-US"/>
@@ -5915,6 +5967,7 @@
           </p:style>
           <p:txBody>
             <a:bodyPr rtlCol="0" anchor="ctr"/>
+            <a:lstStyle/>
             <a:p>
               <a:pPr algn="ctr"/>
               <a:endParaRPr lang="en-US"/>
@@ -5952,6 +6005,7 @@
           </p:style>
           <p:txBody>
             <a:bodyPr rtlCol="0" anchor="ctr"/>
+            <a:lstStyle/>
             <a:p>
               <a:pPr algn="ctr"/>
               <a:endParaRPr lang="en-US"/>
@@ -5989,6 +6043,7 @@
           </p:style>
           <p:txBody>
             <a:bodyPr rtlCol="0" anchor="ctr"/>
+            <a:lstStyle/>
             <a:p>
               <a:pPr algn="ctr"/>
               <a:endParaRPr lang="en-US"/>
@@ -6041,6 +6096,7 @@
           </p:style>
           <p:txBody>
             <a:bodyPr rtlCol="0" anchor="ctr"/>
+            <a:lstStyle/>
             <a:p>
               <a:pPr algn="ctr"/>
               <a:endParaRPr lang="en-US"/>
@@ -6078,6 +6134,7 @@
           </p:style>
           <p:txBody>
             <a:bodyPr rtlCol="0" anchor="ctr"/>
+            <a:lstStyle/>
             <a:p>
               <a:pPr algn="ctr"/>
               <a:endParaRPr lang="en-US"/>
@@ -6115,6 +6172,7 @@
           </p:style>
           <p:txBody>
             <a:bodyPr rtlCol="0" anchor="ctr"/>
+            <a:lstStyle/>
             <a:p>
               <a:pPr algn="ctr"/>
               <a:endParaRPr lang="en-US"/>
@@ -6152,6 +6210,7 @@
           </p:style>
           <p:txBody>
             <a:bodyPr rtlCol="0" anchor="ctr"/>
+            <a:lstStyle/>
             <a:p>
               <a:pPr algn="ctr"/>
               <a:endParaRPr lang="en-US"/>
@@ -6189,6 +6248,7 @@
           </p:style>
           <p:txBody>
             <a:bodyPr rtlCol="0" anchor="ctr"/>
+            <a:lstStyle/>
             <a:p>
               <a:pPr algn="ctr"/>
               <a:endParaRPr lang="en-US"/>
@@ -6226,6 +6286,7 @@
           </p:style>
           <p:txBody>
             <a:bodyPr rtlCol="0" anchor="ctr"/>
+            <a:lstStyle/>
             <a:p>
               <a:pPr algn="ctr"/>
               <a:endParaRPr lang="en-US"/>
@@ -6263,6 +6324,7 @@
           </p:style>
           <p:txBody>
             <a:bodyPr rtlCol="0" anchor="ctr"/>
+            <a:lstStyle/>
             <a:p>
               <a:pPr algn="ctr"/>
               <a:endParaRPr lang="en-US"/>
@@ -6300,6 +6362,7 @@
           </p:style>
           <p:txBody>
             <a:bodyPr rtlCol="0" anchor="ctr"/>
+            <a:lstStyle/>
             <a:p>
               <a:pPr algn="ctr"/>
               <a:endParaRPr lang="en-US"/>
@@ -6337,6 +6400,7 @@
           </p:style>
           <p:txBody>
             <a:bodyPr rtlCol="0" anchor="ctr"/>
+            <a:lstStyle/>
             <a:p>
               <a:pPr algn="ctr"/>
               <a:endParaRPr lang="en-US"/>
@@ -6374,6 +6438,7 @@
           </p:style>
           <p:txBody>
             <a:bodyPr rtlCol="0" anchor="ctr"/>
+            <a:lstStyle/>
             <a:p>
               <a:pPr algn="ctr"/>
               <a:endParaRPr lang="en-US"/>
@@ -6426,6 +6491,7 @@
           </p:style>
           <p:txBody>
             <a:bodyPr rtlCol="0" anchor="ctr"/>
+            <a:lstStyle/>
             <a:p>
               <a:pPr algn="ctr"/>
               <a:endParaRPr lang="en-US"/>
@@ -6463,6 +6529,7 @@
           </p:style>
           <p:txBody>
             <a:bodyPr rtlCol="0" anchor="ctr"/>
+            <a:lstStyle/>
             <a:p>
               <a:pPr algn="ctr"/>
               <a:endParaRPr lang="en-US"/>
@@ -6500,6 +6567,7 @@
           </p:style>
           <p:txBody>
             <a:bodyPr rtlCol="0" anchor="ctr"/>
+            <a:lstStyle/>
             <a:p>
               <a:pPr algn="ctr"/>
               <a:endParaRPr lang="en-US"/>
@@ -6537,6 +6605,7 @@
           </p:style>
           <p:txBody>
             <a:bodyPr rtlCol="0" anchor="ctr"/>
+            <a:lstStyle/>
             <a:p>
               <a:pPr algn="ctr"/>
               <a:endParaRPr lang="en-US"/>
@@ -6574,6 +6643,7 @@
           </p:style>
           <p:txBody>
             <a:bodyPr rtlCol="0" anchor="ctr"/>
+            <a:lstStyle/>
             <a:p>
               <a:pPr algn="ctr"/>
               <a:endParaRPr lang="en-US"/>
@@ -6611,6 +6681,7 @@
           </p:style>
           <p:txBody>
             <a:bodyPr rtlCol="0" anchor="ctr"/>
+            <a:lstStyle/>
             <a:p>
               <a:pPr algn="ctr"/>
               <a:endParaRPr lang="en-US"/>
@@ -6648,6 +6719,7 @@
           </p:style>
           <p:txBody>
             <a:bodyPr rtlCol="0" anchor="ctr"/>
+            <a:lstStyle/>
             <a:p>
               <a:pPr algn="ctr"/>
               <a:endParaRPr lang="en-US"/>
@@ -6685,6 +6757,7 @@
           </p:style>
           <p:txBody>
             <a:bodyPr rtlCol="0" anchor="ctr"/>
+            <a:lstStyle/>
             <a:p>
               <a:pPr algn="ctr"/>
               <a:endParaRPr lang="en-US"/>
@@ -6722,6 +6795,7 @@
           </p:style>
           <p:txBody>
             <a:bodyPr rtlCol="0" anchor="ctr"/>
+            <a:lstStyle/>
             <a:p>
               <a:pPr algn="ctr"/>
               <a:endParaRPr lang="en-US"/>
@@ -6759,6 +6833,7 @@
           </p:style>
           <p:txBody>
             <a:bodyPr rtlCol="0" anchor="ctr"/>
+            <a:lstStyle/>
             <a:p>
               <a:pPr algn="ctr"/>
               <a:endParaRPr lang="en-US"/>
@@ -6797,6 +6872,7 @@
         </p:style>
         <p:txBody>
           <a:bodyPr rtlCol="0" anchor="ctr"/>
+          <a:lstStyle/>
           <a:p>
             <a:pPr algn="ctr"/>
             <a:r>
@@ -6853,7 +6929,7 @@
         <p:spPr>
           <a:xfrm>
             <a:off x="6963410" y="3803650"/>
-            <a:ext cx="4941570" cy="1190625"/>
+            <a:ext cx="5228590" cy="1200329"/>
           </a:xfrm>
           <a:prstGeom prst="rect">
             <a:avLst/>
@@ -6864,26 +6940,134 @@
           <a:bodyPr wrap="square" rtlCol="0">
             <a:spAutoFit/>
           </a:bodyPr>
-          <a:p>
-            <a:r>
-              <a:rPr lang="x-none" altLang="en-US"/>
-              <a:t>假设grid的size为S*S，</a:t>
-            </a:r>
-            <a:endParaRPr lang="x-none" altLang="en-US"/>
-          </a:p>
-          <a:p>
-            <a:r>
-              <a:rPr lang="x-none" altLang="en-US"/>
-              <a:t>某物体中心的坐标为（x,y），且其所在的cell左上角坐标为（5,0）</a:t>
-            </a:r>
-            <a:endParaRPr lang="x-none" altLang="en-US"/>
-          </a:p>
-          <a:p>
-            <a:r>
-              <a:rPr lang="x-none" altLang="en-US"/>
-              <a:t>则坐标的偏移值计算如下：(xS/w-5,yS/h-0)</a:t>
-            </a:r>
-            <a:endParaRPr lang="x-none" altLang="en-US"/>
+          <a:lstStyle/>
+          <a:p>
+            <a:r>
+              <a:rPr lang="zh-CN" altLang="en-US" dirty="0">
+                <a:latin typeface="+mn-ea"/>
+              </a:rPr>
+              <a:t>假设</a:t>
+            </a:r>
+            <a:r>
+              <a:rPr lang="en-US" altLang="zh-CN" dirty="0">
+                <a:latin typeface="+mn-ea"/>
+              </a:rPr>
+              <a:t>grid</a:t>
+            </a:r>
+            <a:r>
+              <a:rPr lang="zh-CN" altLang="en-US" dirty="0">
+                <a:latin typeface="+mn-ea"/>
+              </a:rPr>
+              <a:t>的</a:t>
+            </a:r>
+            <a:r>
+              <a:rPr lang="en-US" altLang="zh-CN" dirty="0">
+                <a:latin typeface="+mn-ea"/>
+              </a:rPr>
+              <a:t>size</a:t>
+            </a:r>
+            <a:r>
+              <a:rPr lang="zh-CN" altLang="en-US" dirty="0">
+                <a:latin typeface="+mn-ea"/>
+              </a:rPr>
+              <a:t>为</a:t>
+            </a:r>
+            <a:r>
+              <a:rPr lang="en-US" altLang="zh-CN" dirty="0">
+                <a:latin typeface="+mn-ea"/>
+              </a:rPr>
+              <a:t>S*S</a:t>
+            </a:r>
+            <a:r>
+              <a:rPr lang="zh-CN" altLang="en-US" dirty="0">
+                <a:latin typeface="+mn-ea"/>
+              </a:rPr>
+              <a:t>，原始图片的宽高：</a:t>
+            </a:r>
+            <a:r>
+              <a:rPr lang="en-US" altLang="zh-CN" dirty="0">
+                <a:latin typeface="+mn-ea"/>
+              </a:rPr>
+              <a:t>width</a:t>
+            </a:r>
+            <a:r>
+              <a:rPr lang="zh-CN" altLang="en-US" dirty="0">
+                <a:latin typeface="+mn-ea"/>
+              </a:rPr>
+              <a:t>， </a:t>
+            </a:r>
+            <a:r>
+              <a:rPr lang="en-US" altLang="zh-CN" dirty="0">
+                <a:latin typeface="+mn-ea"/>
+              </a:rPr>
+              <a:t>height</a:t>
+            </a:r>
+            <a:r>
+              <a:rPr lang="zh-CN" altLang="en-US" dirty="0">
+                <a:latin typeface="+mn-ea"/>
+              </a:rPr>
+              <a:t>。某物体中心的坐标为</a:t>
+            </a:r>
+            <a:r>
+              <a:rPr lang="en-US" altLang="zh-CN" dirty="0">
+                <a:latin typeface="+mn-ea"/>
+              </a:rPr>
+              <a:t>(</a:t>
+            </a:r>
+            <a:r>
+              <a:rPr lang="en-US" altLang="zh-CN" dirty="0" err="1">
+                <a:latin typeface="+mn-ea"/>
+              </a:rPr>
+              <a:t>x,y</a:t>
+            </a:r>
+            <a:r>
+              <a:rPr lang="en-US" altLang="zh-CN" dirty="0">
+                <a:latin typeface="+mn-ea"/>
+              </a:rPr>
+              <a:t>)</a:t>
+            </a:r>
+            <a:r>
+              <a:rPr lang="zh-CN" altLang="en-US" dirty="0">
+                <a:latin typeface="+mn-ea"/>
+              </a:rPr>
+              <a:t>，且其所在的</a:t>
+            </a:r>
+            <a:r>
+              <a:rPr lang="en-US" altLang="zh-CN" dirty="0">
+                <a:latin typeface="+mn-ea"/>
+              </a:rPr>
+              <a:t>cell</a:t>
+            </a:r>
+            <a:r>
+              <a:rPr lang="zh-CN" altLang="en-US" dirty="0">
+                <a:latin typeface="+mn-ea"/>
+              </a:rPr>
+              <a:t>左上角坐标为（</a:t>
+            </a:r>
+            <a:r>
+              <a:rPr lang="en-US" altLang="zh-CN" dirty="0">
+                <a:latin typeface="+mn-ea"/>
+              </a:rPr>
+              <a:t>5,0)</a:t>
+            </a:r>
+            <a:r>
+              <a:rPr lang="zh-CN" altLang="en-US" dirty="0">
+                <a:latin typeface="+mn-ea"/>
+              </a:rPr>
+              <a:t>。则坐标的偏移值计算如下：</a:t>
+            </a:r>
+            <a:r>
+              <a:rPr lang="en-US" altLang="zh-CN" dirty="0">
+                <a:latin typeface="+mn-ea"/>
+              </a:rPr>
+              <a:t>(x*S/width-5,y*S/height-0)</a:t>
+            </a:r>
+            <a:r>
+              <a:rPr lang="zh-CN" altLang="en-US" dirty="0">
+                <a:latin typeface="+mn-ea"/>
+              </a:rPr>
+              <a:t>。</a:t>
+            </a:r>
           </a:p>
         </p:txBody>
       </p:sp>
@@ -6973,12 +7157,12 @@
           <a:bodyPr wrap="square" rtlCol="0">
             <a:spAutoFit/>
           </a:bodyPr>
+          <a:lstStyle/>
           <a:p>
             <a:r>
               <a:rPr lang="x-none" altLang="en-US"/>
               <a:t>x</a:t>
             </a:r>
-            <a:endParaRPr lang="x-none" altLang="en-US"/>
           </a:p>
         </p:txBody>
       </p:sp>
@@ -7002,12 +7186,12 @@
           <a:bodyPr wrap="square" rtlCol="0">
             <a:spAutoFit/>
           </a:bodyPr>
+          <a:lstStyle/>
           <a:p>
             <a:r>
               <a:rPr lang="x-none" altLang="en-US"/>
               <a:t>y</a:t>
             </a:r>
-            <a:endParaRPr lang="x-none" altLang="en-US"/>
           </a:p>
         </p:txBody>
       </p:sp>
